--- a/Group recommendations.pptx
+++ b/Group recommendations.pptx
@@ -263,7 +263,7 @@
           <a:p>
             <a:fld id="{5D277BEB-5E2F-4528-950D-0066FF7F19B5}" type="datetimeFigureOut">
               <a:rPr lang="fi-FI" smtClean="0"/>
-              <a:t>16.11.2023</a:t>
+              <a:t>17.11.2023</a:t>
             </a:fld>
             <a:endParaRPr lang="fi-FI"/>
           </a:p>
@@ -461,7 +461,7 @@
           <a:p>
             <a:fld id="{5D277BEB-5E2F-4528-950D-0066FF7F19B5}" type="datetimeFigureOut">
               <a:rPr lang="fi-FI" smtClean="0"/>
-              <a:t>16.11.2023</a:t>
+              <a:t>17.11.2023</a:t>
             </a:fld>
             <a:endParaRPr lang="fi-FI"/>
           </a:p>
@@ -669,7 +669,7 @@
           <a:p>
             <a:fld id="{5D277BEB-5E2F-4528-950D-0066FF7F19B5}" type="datetimeFigureOut">
               <a:rPr lang="fi-FI" smtClean="0"/>
-              <a:t>16.11.2023</a:t>
+              <a:t>17.11.2023</a:t>
             </a:fld>
             <a:endParaRPr lang="fi-FI"/>
           </a:p>
@@ -867,7 +867,7 @@
           <a:p>
             <a:fld id="{5D277BEB-5E2F-4528-950D-0066FF7F19B5}" type="datetimeFigureOut">
               <a:rPr lang="fi-FI" smtClean="0"/>
-              <a:t>16.11.2023</a:t>
+              <a:t>17.11.2023</a:t>
             </a:fld>
             <a:endParaRPr lang="fi-FI"/>
           </a:p>
@@ -1142,7 +1142,7 @@
           <a:p>
             <a:fld id="{5D277BEB-5E2F-4528-950D-0066FF7F19B5}" type="datetimeFigureOut">
               <a:rPr lang="fi-FI" smtClean="0"/>
-              <a:t>16.11.2023</a:t>
+              <a:t>17.11.2023</a:t>
             </a:fld>
             <a:endParaRPr lang="fi-FI"/>
           </a:p>
@@ -1407,7 +1407,7 @@
           <a:p>
             <a:fld id="{5D277BEB-5E2F-4528-950D-0066FF7F19B5}" type="datetimeFigureOut">
               <a:rPr lang="fi-FI" smtClean="0"/>
-              <a:t>16.11.2023</a:t>
+              <a:t>17.11.2023</a:t>
             </a:fld>
             <a:endParaRPr lang="fi-FI"/>
           </a:p>
@@ -1819,7 +1819,7 @@
           <a:p>
             <a:fld id="{5D277BEB-5E2F-4528-950D-0066FF7F19B5}" type="datetimeFigureOut">
               <a:rPr lang="fi-FI" smtClean="0"/>
-              <a:t>16.11.2023</a:t>
+              <a:t>17.11.2023</a:t>
             </a:fld>
             <a:endParaRPr lang="fi-FI"/>
           </a:p>
@@ -1960,7 +1960,7 @@
           <a:p>
             <a:fld id="{5D277BEB-5E2F-4528-950D-0066FF7F19B5}" type="datetimeFigureOut">
               <a:rPr lang="fi-FI" smtClean="0"/>
-              <a:t>16.11.2023</a:t>
+              <a:t>17.11.2023</a:t>
             </a:fld>
             <a:endParaRPr lang="fi-FI"/>
           </a:p>
@@ -2073,7 +2073,7 @@
           <a:p>
             <a:fld id="{5D277BEB-5E2F-4528-950D-0066FF7F19B5}" type="datetimeFigureOut">
               <a:rPr lang="fi-FI" smtClean="0"/>
-              <a:t>16.11.2023</a:t>
+              <a:t>17.11.2023</a:t>
             </a:fld>
             <a:endParaRPr lang="fi-FI"/>
           </a:p>
@@ -2384,7 +2384,7 @@
           <a:p>
             <a:fld id="{5D277BEB-5E2F-4528-950D-0066FF7F19B5}" type="datetimeFigureOut">
               <a:rPr lang="fi-FI" smtClean="0"/>
-              <a:t>16.11.2023</a:t>
+              <a:t>17.11.2023</a:t>
             </a:fld>
             <a:endParaRPr lang="fi-FI"/>
           </a:p>
@@ -2672,7 +2672,7 @@
           <a:p>
             <a:fld id="{5D277BEB-5E2F-4528-950D-0066FF7F19B5}" type="datetimeFigureOut">
               <a:rPr lang="fi-FI" smtClean="0"/>
-              <a:t>16.11.2023</a:t>
+              <a:t>17.11.2023</a:t>
             </a:fld>
             <a:endParaRPr lang="fi-FI"/>
           </a:p>
@@ -2913,7 +2913,7 @@
           <a:p>
             <a:fld id="{5D277BEB-5E2F-4528-950D-0066FF7F19B5}" type="datetimeFigureOut">
               <a:rPr lang="fi-FI" smtClean="0"/>
-              <a:t>16.11.2023</a:t>
+              <a:t>17.11.2023</a:t>
             </a:fld>
             <a:endParaRPr lang="fi-FI"/>
           </a:p>
@@ -3843,10 +3843,7 @@
               <a:rPr lang="fi-FI" dirty="0" err="1"/>
               <a:t>average</a:t>
             </a:r>
-            <a:r>
-              <a:rPr lang="fi-FI" dirty="0"/>
-              <a:t> and</a:t>
-            </a:r>
+            <a:endParaRPr lang="fi-FI" dirty="0"/>
           </a:p>
           <a:p>
             <a:pPr marL="514350" indent="-514350">
